--- a/박병근/발표/베트남_발표.pptx
+++ b/박병근/발표/베트남_발표.pptx
@@ -120,6 +120,14 @@
       </a:defRPr>
     </a:lvl9pPr>
   </p:defaultTextStyle>
+  <p:extLst>
+    <p:ext uri="{EFAFB233-063F-42B5-8137-9DF3F51BA10A}">
+      <p15:sldGuideLst xmlns:p15="http://schemas.microsoft.com/office/powerpoint/2012/main"/>
+    </p:ext>
+    <p:ext uri="{2D200454-40CA-4A62-9FC3-DE9A4176ACB9}">
+      <p15:notesGuideLst xmlns:p15="http://schemas.microsoft.com/office/powerpoint/2012/main"/>
+    </p:ext>
+  </p:extLst>
 </p:presentation>
 </file>
 
@@ -217,7 +225,7 @@
           <a:p>
             <a:fld id="{BDBA19BA-9DFB-454D-B964-D10075BB438B}" type="datetimeFigureOut">
               <a:rPr lang="ko-KR" altLang="en-US" smtClean="0"/>
-              <a:t>2019-01-23</a:t>
+              <a:t>2019-01-24</a:t>
             </a:fld>
             <a:endParaRPr lang="ko-KR" altLang="en-US"/>
           </a:p>
@@ -394,7 +402,7 @@
           <a:p>
             <a:fld id="{740EDE9C-F6E0-4F5B-AD79-25E4C7EB129E}" type="datetimeFigureOut">
               <a:rPr lang="ko-KR" altLang="en-US" smtClean="0"/>
-              <a:t>2019-01-23</a:t>
+              <a:t>2019-01-24</a:t>
             </a:fld>
             <a:endParaRPr lang="ko-KR" altLang="en-US"/>
           </a:p>
@@ -847,7 +855,7 @@
           <a:p>
             <a:fld id="{ED9F48F2-8FA3-4B06-ABC3-97B17E68B94D}" type="datetime1">
               <a:rPr lang="ko-KR" altLang="en-US" smtClean="0"/>
-              <a:t>2019-01-23</a:t>
+              <a:t>2019-01-24</a:t>
             </a:fld>
             <a:endParaRPr lang="ko-KR" altLang="en-US"/>
           </a:p>
@@ -1135,7 +1143,7 @@
           <a:p>
             <a:fld id="{B59A416E-043A-49AF-8668-CD7402A967FF}" type="datetime1">
               <a:rPr lang="ko-KR" altLang="en-US" smtClean="0"/>
-              <a:t>2019-01-23</a:t>
+              <a:t>2019-01-24</a:t>
             </a:fld>
             <a:endParaRPr lang="ko-KR" altLang="en-US"/>
           </a:p>
@@ -1337,7 +1345,7 @@
           <a:p>
             <a:fld id="{892CCBFB-8FEA-4A30-9161-5C60610EB461}" type="datetime1">
               <a:rPr lang="ko-KR" altLang="en-US" smtClean="0"/>
-              <a:t>2019-01-23</a:t>
+              <a:t>2019-01-24</a:t>
             </a:fld>
             <a:endParaRPr lang="ko-KR" altLang="en-US"/>
           </a:p>
@@ -1618,7 +1626,7 @@
           <a:p>
             <a:fld id="{B56E3A7E-3104-4C56-A636-ADD55B29F452}" type="datetime1">
               <a:rPr lang="ko-KR" altLang="en-US" smtClean="0"/>
-              <a:t>2019-01-23</a:t>
+              <a:t>2019-01-24</a:t>
             </a:fld>
             <a:endParaRPr lang="ko-KR" altLang="en-US"/>
           </a:p>
@@ -1967,7 +1975,7 @@
           <a:p>
             <a:fld id="{7E6FCCA1-1B03-4272-A726-44ABAFF92FDC}" type="datetime1">
               <a:rPr lang="ko-KR" altLang="en-US" smtClean="0"/>
-              <a:t>2019-01-23</a:t>
+              <a:t>2019-01-24</a:t>
             </a:fld>
             <a:endParaRPr lang="ko-KR" altLang="en-US"/>
           </a:p>
@@ -2598,7 +2606,7 @@
           <a:p>
             <a:fld id="{FB1DDE4F-FD42-4230-AE25-DEA78E48FE27}" type="datetime1">
               <a:rPr lang="ko-KR" altLang="en-US" smtClean="0"/>
-              <a:t>2019-01-23</a:t>
+              <a:t>2019-01-24</a:t>
             </a:fld>
             <a:endParaRPr lang="ko-KR" altLang="en-US"/>
           </a:p>
@@ -3466,7 +3474,7 @@
           <a:p>
             <a:fld id="{CD4294E1-DD37-4AC7-8C07-28F88FF6752B}" type="datetime1">
               <a:rPr lang="ko-KR" altLang="en-US" smtClean="0"/>
-              <a:t>2019-01-23</a:t>
+              <a:t>2019-01-24</a:t>
             </a:fld>
             <a:endParaRPr lang="ko-KR" altLang="en-US"/>
           </a:p>
@@ -3644,7 +3652,7 @@
           <a:p>
             <a:fld id="{1BC39A39-BC05-436C-8493-AB8607659927}" type="datetime1">
               <a:rPr lang="ko-KR" altLang="en-US" smtClean="0"/>
-              <a:t>2019-01-23</a:t>
+              <a:t>2019-01-24</a:t>
             </a:fld>
             <a:endParaRPr lang="ko-KR" altLang="en-US"/>
           </a:p>
@@ -3832,7 +3840,7 @@
           <a:p>
             <a:fld id="{B2B0F3C2-4C68-4133-8C56-F1A09887BF90}" type="datetime1">
               <a:rPr lang="ko-KR" altLang="en-US" smtClean="0"/>
-              <a:t>2019-01-23</a:t>
+              <a:t>2019-01-24</a:t>
             </a:fld>
             <a:endParaRPr lang="ko-KR" altLang="en-US"/>
           </a:p>
@@ -4056,7 +4064,7 @@
           <a:p>
             <a:fld id="{6AAF734B-14DD-447A-80A9-E3DC9398F086}" type="datetime1">
               <a:rPr lang="ko-KR" altLang="en-US" smtClean="0"/>
-              <a:t>2019-01-23</a:t>
+              <a:t>2019-01-24</a:t>
             </a:fld>
             <a:endParaRPr lang="ko-KR" altLang="en-US"/>
           </a:p>
@@ -4320,7 +4328,7 @@
           <a:p>
             <a:fld id="{B5977BB7-4B0A-4397-8560-64437203907B}" type="datetime1">
               <a:rPr lang="ko-KR" altLang="en-US" smtClean="0"/>
-              <a:t>2019-01-23</a:t>
+              <a:t>2019-01-24</a:t>
             </a:fld>
             <a:endParaRPr lang="ko-KR" altLang="en-US"/>
           </a:p>
@@ -4620,7 +4628,7 @@
           <a:p>
             <a:fld id="{81432ECA-1282-498F-89E7-1AB7C1031BA6}" type="datetime1">
               <a:rPr lang="ko-KR" altLang="en-US" smtClean="0"/>
-              <a:t>2019-01-23</a:t>
+              <a:t>2019-01-24</a:t>
             </a:fld>
             <a:endParaRPr lang="ko-KR" altLang="en-US"/>
           </a:p>
@@ -5072,7 +5080,7 @@
           <a:p>
             <a:fld id="{02A0E415-8FE3-4760-A031-8483E54FC530}" type="datetime1">
               <a:rPr lang="ko-KR" altLang="en-US" smtClean="0"/>
-              <a:t>2019-01-23</a:t>
+              <a:t>2019-01-24</a:t>
             </a:fld>
             <a:endParaRPr lang="ko-KR" altLang="en-US"/>
           </a:p>
@@ -5198,7 +5206,7 @@
           <a:p>
             <a:fld id="{66AEA10E-79E8-4075-A21B-FAAE02B14E48}" type="datetime1">
               <a:rPr lang="ko-KR" altLang="en-US" smtClean="0"/>
-              <a:t>2019-01-23</a:t>
+              <a:t>2019-01-24</a:t>
             </a:fld>
             <a:endParaRPr lang="ko-KR" altLang="en-US"/>
           </a:p>
@@ -5301,7 +5309,7 @@
           <a:p>
             <a:fld id="{D771DD71-BC5E-4EC0-A9EC-4A06C6D58B69}" type="datetime1">
               <a:rPr lang="ko-KR" altLang="en-US" smtClean="0"/>
-              <a:t>2019-01-23</a:t>
+              <a:t>2019-01-24</a:t>
             </a:fld>
             <a:endParaRPr lang="ko-KR" altLang="en-US"/>
           </a:p>
@@ -5588,7 +5596,7 @@
           <a:p>
             <a:fld id="{9AD8D903-D183-46BA-A5FA-3FC344D5D5FC}" type="datetime1">
               <a:rPr lang="ko-KR" altLang="en-US" smtClean="0"/>
-              <a:t>2019-01-23</a:t>
+              <a:t>2019-01-24</a:t>
             </a:fld>
             <a:endParaRPr lang="ko-KR" altLang="en-US"/>
           </a:p>
@@ -5871,7 +5879,7 @@
           <a:p>
             <a:fld id="{75F904A6-EADA-4FF8-BDC7-351886E4C629}" type="datetime1">
               <a:rPr lang="ko-KR" altLang="en-US" smtClean="0"/>
-              <a:t>2019-01-23</a:t>
+              <a:t>2019-01-24</a:t>
             </a:fld>
             <a:endParaRPr lang="ko-KR" altLang="en-US"/>
           </a:p>
@@ -6308,7 +6316,7 @@
           <a:p>
             <a:fld id="{37F615E4-F1C9-4FE0-A5F4-526396061C52}" type="datetime1">
               <a:rPr lang="ko-KR" altLang="en-US" smtClean="0"/>
-              <a:t>2019-01-23</a:t>
+              <a:t>2019-01-24</a:t>
             </a:fld>
             <a:endParaRPr lang="ko-KR" altLang="en-US"/>
           </a:p>
@@ -6898,7 +6906,7 @@
           <a:bodyPr/>
           <a:lstStyle/>
           <a:p>
-            <a:endParaRPr lang="ko-KR" altLang="en-US"/>
+            <a:endParaRPr lang="ko-KR" altLang="en-US" dirty="0"/>
           </a:p>
         </p:txBody>
       </p:sp>
@@ -8140,7 +8148,7 @@
           <a:lstStyle/>
           <a:p>
             <a:r>
-              <a:rPr lang="ko-KR" altLang="en-US"/>
+              <a:rPr lang="ko-KR" altLang="en-US" dirty="0"/>
               <a:t>나무 이미지 제작</a:t>
             </a:r>
           </a:p>
